--- a/.idea/1.7 and 1.8 documentation .pptx
+++ b/.idea/1.7 and 1.8 documentation .pptx
@@ -5,21 +5,22 @@
     <p:sldMasterId id="2147483648" r:id="rId1"/>
   </p:sldMasterIdLst>
   <p:notesMasterIdLst>
-    <p:notesMasterId r:id="rId14"/>
+    <p:notesMasterId r:id="rId15"/>
   </p:notesMasterIdLst>
   <p:sldIdLst>
     <p:sldId id="256" r:id="rId2"/>
     <p:sldId id="258" r:id="rId3"/>
     <p:sldId id="272" r:id="rId4"/>
-    <p:sldId id="260" r:id="rId5"/>
-    <p:sldId id="268" r:id="rId6"/>
-    <p:sldId id="269" r:id="rId7"/>
-    <p:sldId id="273" r:id="rId8"/>
-    <p:sldId id="274" r:id="rId9"/>
-    <p:sldId id="263" r:id="rId10"/>
-    <p:sldId id="270" r:id="rId11"/>
-    <p:sldId id="261" r:id="rId12"/>
-    <p:sldId id="266" r:id="rId13"/>
+    <p:sldId id="275" r:id="rId5"/>
+    <p:sldId id="260" r:id="rId6"/>
+    <p:sldId id="268" r:id="rId7"/>
+    <p:sldId id="269" r:id="rId8"/>
+    <p:sldId id="273" r:id="rId9"/>
+    <p:sldId id="274" r:id="rId10"/>
+    <p:sldId id="263" r:id="rId11"/>
+    <p:sldId id="270" r:id="rId12"/>
+    <p:sldId id="261" r:id="rId13"/>
+    <p:sldId id="266" r:id="rId14"/>
   </p:sldIdLst>
   <p:sldSz cx="12192000" cy="6858000"/>
   <p:notesSz cx="6858000" cy="9144000"/>
@@ -126,8 +127,70 @@
 </p:presentation>
 </file>
 
+<file path=ppt/revisionInfo.xml><?xml version="1.0" encoding="utf-8"?>
+<p1510:revInfo xmlns:a="http://schemas.openxmlformats.org/drawingml/2006/main" xmlns:r="http://schemas.openxmlformats.org/officeDocument/2006/relationships" xmlns:p1510="http://schemas.microsoft.com/office/powerpoint/2015/10/main">
+  <p1510:revLst>
+    <p1510:client id="{AB3AD0AA-4B8A-4CBC-951D-D1B92DD8A43D}" v="568" dt="2023-03-31T01:42:11.964"/>
+  </p1510:revLst>
+</p1510:revInfo>
+</file>
+
 <file path=ppt/changesInfos/changesInfo1.xml><?xml version="1.0" encoding="utf-8"?>
 <pc:chgInfo xmlns:a="http://schemas.openxmlformats.org/drawingml/2006/main" xmlns:r="http://schemas.openxmlformats.org/officeDocument/2006/relationships" xmlns:ac="http://schemas.microsoft.com/office/drawing/2013/main/command" xmlns:pc="http://schemas.microsoft.com/office/powerpoint/2013/main/command">
+  <pc:docChgLst>
+    <pc:chgData name="Thomas Xu" userId="72a40c57-58f8-4deb-8f71-c52d4941dc1d" providerId="ADAL" clId="{AB3AD0AA-4B8A-4CBC-951D-D1B92DD8A43D}"/>
+    <pc:docChg chg="undo custSel addSld modSld">
+      <pc:chgData name="Thomas Xu" userId="72a40c57-58f8-4deb-8f71-c52d4941dc1d" providerId="ADAL" clId="{AB3AD0AA-4B8A-4CBC-951D-D1B92DD8A43D}" dt="2023-04-03T21:53:19.013" v="2120" actId="2165"/>
+      <pc:docMkLst>
+        <pc:docMk/>
+      </pc:docMkLst>
+      <pc:sldChg chg="modSp mod">
+        <pc:chgData name="Thomas Xu" userId="72a40c57-58f8-4deb-8f71-c52d4941dc1d" providerId="ADAL" clId="{AB3AD0AA-4B8A-4CBC-951D-D1B92DD8A43D}" dt="2023-03-22T22:22:49.071" v="6"/>
+        <pc:sldMkLst>
+          <pc:docMk/>
+          <pc:sldMk cId="3838895173" sldId="258"/>
+        </pc:sldMkLst>
+        <pc:spChg chg="mod">
+          <ac:chgData name="Thomas Xu" userId="72a40c57-58f8-4deb-8f71-c52d4941dc1d" providerId="ADAL" clId="{AB3AD0AA-4B8A-4CBC-951D-D1B92DD8A43D}" dt="2023-03-22T22:22:49.071" v="6"/>
+          <ac:spMkLst>
+            <pc:docMk/>
+            <pc:sldMk cId="3838895173" sldId="258"/>
+            <ac:spMk id="4" creationId="{F7FB308A-232B-4B31-A59D-BD561ECFBE8B}"/>
+          </ac:spMkLst>
+        </pc:spChg>
+      </pc:sldChg>
+      <pc:sldChg chg="modSp mod">
+        <pc:chgData name="Thomas Xu" userId="72a40c57-58f8-4deb-8f71-c52d4941dc1d" providerId="ADAL" clId="{AB3AD0AA-4B8A-4CBC-951D-D1B92DD8A43D}" dt="2023-03-31T01:41:58.453" v="1226" actId="20577"/>
+        <pc:sldMkLst>
+          <pc:docMk/>
+          <pc:sldMk cId="975627948" sldId="272"/>
+        </pc:sldMkLst>
+        <pc:graphicFrameChg chg="modGraphic">
+          <ac:chgData name="Thomas Xu" userId="72a40c57-58f8-4deb-8f71-c52d4941dc1d" providerId="ADAL" clId="{AB3AD0AA-4B8A-4CBC-951D-D1B92DD8A43D}" dt="2023-03-31T01:41:58.453" v="1226" actId="20577"/>
+          <ac:graphicFrameMkLst>
+            <pc:docMk/>
+            <pc:sldMk cId="975627948" sldId="272"/>
+            <ac:graphicFrameMk id="6" creationId="{A02ECB3F-5E1A-4602-8844-49609D54ADF8}"/>
+          </ac:graphicFrameMkLst>
+        </pc:graphicFrameChg>
+      </pc:sldChg>
+      <pc:sldChg chg="modSp add mod">
+        <pc:chgData name="Thomas Xu" userId="72a40c57-58f8-4deb-8f71-c52d4941dc1d" providerId="ADAL" clId="{AB3AD0AA-4B8A-4CBC-951D-D1B92DD8A43D}" dt="2023-04-03T21:53:19.013" v="2120" actId="2165"/>
+        <pc:sldMkLst>
+          <pc:docMk/>
+          <pc:sldMk cId="31102349" sldId="275"/>
+        </pc:sldMkLst>
+        <pc:graphicFrameChg chg="modGraphic">
+          <ac:chgData name="Thomas Xu" userId="72a40c57-58f8-4deb-8f71-c52d4941dc1d" providerId="ADAL" clId="{AB3AD0AA-4B8A-4CBC-951D-D1B92DD8A43D}" dt="2023-04-03T21:53:19.013" v="2120" actId="2165"/>
+          <ac:graphicFrameMkLst>
+            <pc:docMk/>
+            <pc:sldMk cId="31102349" sldId="275"/>
+            <ac:graphicFrameMk id="6" creationId="{A02ECB3F-5E1A-4602-8844-49609D54ADF8}"/>
+          </ac:graphicFrameMkLst>
+        </pc:graphicFrameChg>
+      </pc:sldChg>
+    </pc:docChg>
+  </pc:docChgLst>
   <pc:docChgLst>
     <pc:chgData name="Thomas Xu" userId="72a40c57-58f8-4deb-8f71-c52d4941dc1d" providerId="ADAL" clId="{8A542462-CED0-4B95-B57D-5D5854EA6A28}"/>
     <pc:docChg chg="custSel modSld">
@@ -260,7 +323,7 @@
           <a:p>
             <a:fld id="{F37D28C0-BEB6-42B0-A203-EEE1023219C4}" type="datetimeFigureOut">
               <a:rPr lang="en-NZ" smtClean="0"/>
-              <a:t>23/03/2023</a:t>
+              <a:t>27/04/2023</a:t>
             </a:fld>
             <a:endParaRPr lang="en-NZ"/>
           </a:p>
@@ -615,6 +678,115 @@
 </p:notes>
 </file>
 
+<file path=ppt/notesSlides/notesSlide10.xml><?xml version="1.0" encoding="utf-8"?>
+<p:notes xmlns:a="http://schemas.openxmlformats.org/drawingml/2006/main" xmlns:r="http://schemas.openxmlformats.org/officeDocument/2006/relationships" xmlns:p="http://schemas.openxmlformats.org/presentationml/2006/main">
+  <p:cSld>
+    <p:spTree>
+      <p:nvGrpSpPr>
+        <p:cNvPr id="1" name=""/>
+        <p:cNvGrpSpPr/>
+        <p:nvPr/>
+      </p:nvGrpSpPr>
+      <p:grpSpPr>
+        <a:xfrm>
+          <a:off x="0" y="0"/>
+          <a:ext cx="0" cy="0"/>
+          <a:chOff x="0" y="0"/>
+          <a:chExt cx="0" cy="0"/>
+        </a:xfrm>
+      </p:grpSpPr>
+      <p:sp>
+        <p:nvSpPr>
+          <p:cNvPr id="2" name="Slide Image Placeholder 1"/>
+          <p:cNvSpPr>
+            <a:spLocks noGrp="1" noRot="1" noChangeAspect="1"/>
+          </p:cNvSpPr>
+          <p:nvPr>
+            <p:ph type="sldImg"/>
+          </p:nvPr>
+        </p:nvSpPr>
+        <p:spPr/>
+      </p:sp>
+      <p:sp>
+        <p:nvSpPr>
+          <p:cNvPr id="3" name="Notes Placeholder 2"/>
+          <p:cNvSpPr>
+            <a:spLocks noGrp="1"/>
+          </p:cNvSpPr>
+          <p:nvPr>
+            <p:ph type="body" idx="1"/>
+          </p:nvPr>
+        </p:nvSpPr>
+        <p:spPr/>
+        <p:txBody>
+          <a:bodyPr/>
+          <a:lstStyle/>
+          <a:p>
+            <a:pPr marL="0" marR="0" lvl="0" indent="0" algn="l" defTabSz="914400" rtl="0" eaLnBrk="1" fontAlgn="auto" latinLnBrk="0" hangingPunct="1">
+              <a:lnSpc>
+                <a:spcPct val="100000"/>
+              </a:lnSpc>
+              <a:spcBef>
+                <a:spcPts val="0"/>
+              </a:spcBef>
+              <a:spcAft>
+                <a:spcPts val="0"/>
+              </a:spcAft>
+              <a:buClrTx/>
+              <a:buSzTx/>
+              <a:buFontTx/>
+              <a:buNone/>
+              <a:tabLst/>
+              <a:defRPr/>
+            </a:pPr>
+            <a:r>
+              <a:rPr lang="en-NZ" i="1" dirty="0">
+                <a:latin typeface="Arial" panose="020B0604020202020204" pitchFamily="34" charset="0"/>
+              </a:rPr>
+              <a:t>Discuss how the information from planning, testing and trialling of components assisted in the development of a high-quality outcome.</a:t>
+            </a:r>
+          </a:p>
+          <a:p>
+            <a:endParaRPr lang="en-NZ" dirty="0"/>
+          </a:p>
+        </p:txBody>
+      </p:sp>
+      <p:sp>
+        <p:nvSpPr>
+          <p:cNvPr id="4" name="Slide Number Placeholder 3"/>
+          <p:cNvSpPr>
+            <a:spLocks noGrp="1"/>
+          </p:cNvSpPr>
+          <p:nvPr>
+            <p:ph type="sldNum" sz="quarter" idx="5"/>
+          </p:nvPr>
+        </p:nvSpPr>
+        <p:spPr/>
+        <p:txBody>
+          <a:bodyPr/>
+          <a:lstStyle/>
+          <a:p>
+            <a:fld id="{D89B2B17-F4B1-4A14-AF99-5A366D45E74A}" type="slidenum">
+              <a:rPr lang="en-NZ" smtClean="0"/>
+              <a:t>13</a:t>
+            </a:fld>
+            <a:endParaRPr lang="en-NZ"/>
+          </a:p>
+        </p:txBody>
+      </p:sp>
+    </p:spTree>
+    <p:extLst>
+      <p:ext uri="{BB962C8B-B14F-4D97-AF65-F5344CB8AC3E}">
+        <p14:creationId xmlns:p14="http://schemas.microsoft.com/office/powerpoint/2010/main" val="1738331893"/>
+      </p:ext>
+    </p:extLst>
+  </p:cSld>
+  <p:clrMapOvr>
+    <a:masterClrMapping/>
+  </p:clrMapOvr>
+</p:notes>
+</file>
+
 <file path=ppt/notesSlides/notesSlide2.xml><?xml version="1.0" encoding="utf-8"?>
 <p:notes xmlns:a="http://schemas.openxmlformats.org/drawingml/2006/main" xmlns:r="http://schemas.openxmlformats.org/officeDocument/2006/relationships" xmlns:p="http://schemas.openxmlformats.org/presentationml/2006/main">
   <p:cSld>
@@ -659,6 +831,93 @@
           <a:bodyPr/>
           <a:lstStyle/>
           <a:p>
+            <a:r>
+              <a:rPr lang="en-NZ" dirty="0"/>
+              <a:t>Additional rows can be added by clicking in the last cell and then using the Tab key </a:t>
+            </a:r>
+          </a:p>
+        </p:txBody>
+      </p:sp>
+      <p:sp>
+        <p:nvSpPr>
+          <p:cNvPr id="4" name="Slide Number Placeholder 3"/>
+          <p:cNvSpPr>
+            <a:spLocks noGrp="1"/>
+          </p:cNvSpPr>
+          <p:nvPr>
+            <p:ph type="sldNum" sz="quarter" idx="5"/>
+          </p:nvPr>
+        </p:nvSpPr>
+        <p:spPr/>
+        <p:txBody>
+          <a:bodyPr/>
+          <a:lstStyle/>
+          <a:p>
+            <a:fld id="{D89B2B17-F4B1-4A14-AF99-5A366D45E74A}" type="slidenum">
+              <a:rPr lang="en-NZ" smtClean="0"/>
+              <a:t>4</a:t>
+            </a:fld>
+            <a:endParaRPr lang="en-NZ"/>
+          </a:p>
+        </p:txBody>
+      </p:sp>
+    </p:spTree>
+    <p:extLst>
+      <p:ext uri="{BB962C8B-B14F-4D97-AF65-F5344CB8AC3E}">
+        <p14:creationId xmlns:p14="http://schemas.microsoft.com/office/powerpoint/2010/main" val="538327141"/>
+      </p:ext>
+    </p:extLst>
+  </p:cSld>
+  <p:clrMapOvr>
+    <a:masterClrMapping/>
+  </p:clrMapOvr>
+</p:notes>
+</file>
+
+<file path=ppt/notesSlides/notesSlide3.xml><?xml version="1.0" encoding="utf-8"?>
+<p:notes xmlns:a="http://schemas.openxmlformats.org/drawingml/2006/main" xmlns:r="http://schemas.openxmlformats.org/officeDocument/2006/relationships" xmlns:p="http://schemas.openxmlformats.org/presentationml/2006/main">
+  <p:cSld>
+    <p:spTree>
+      <p:nvGrpSpPr>
+        <p:cNvPr id="1" name=""/>
+        <p:cNvGrpSpPr/>
+        <p:nvPr/>
+      </p:nvGrpSpPr>
+      <p:grpSpPr>
+        <a:xfrm>
+          <a:off x="0" y="0"/>
+          <a:ext cx="0" cy="0"/>
+          <a:chOff x="0" y="0"/>
+          <a:chExt cx="0" cy="0"/>
+        </a:xfrm>
+      </p:grpSpPr>
+      <p:sp>
+        <p:nvSpPr>
+          <p:cNvPr id="2" name="Slide Image Placeholder 1"/>
+          <p:cNvSpPr>
+            <a:spLocks noGrp="1" noRot="1" noChangeAspect="1"/>
+          </p:cNvSpPr>
+          <p:nvPr>
+            <p:ph type="sldImg"/>
+          </p:nvPr>
+        </p:nvSpPr>
+        <p:spPr/>
+      </p:sp>
+      <p:sp>
+        <p:nvSpPr>
+          <p:cNvPr id="3" name="Notes Placeholder 2"/>
+          <p:cNvSpPr>
+            <a:spLocks noGrp="1"/>
+          </p:cNvSpPr>
+          <p:nvPr>
+            <p:ph type="body" idx="1"/>
+          </p:nvPr>
+        </p:nvSpPr>
+        <p:spPr/>
+        <p:txBody>
+          <a:bodyPr/>
+          <a:lstStyle/>
+          <a:p>
             <a:pPr marL="0" marR="0" lvl="0" indent="0" algn="l" defTabSz="914400" rtl="0" eaLnBrk="1" fontAlgn="auto" latinLnBrk="0" hangingPunct="1">
               <a:lnSpc>
                 <a:spcPct val="100000"/>
@@ -730,7 +989,7 @@
           <a:p>
             <a:fld id="{D89B2B17-F4B1-4A14-AF99-5A366D45E74A}" type="slidenum">
               <a:rPr lang="en-NZ" smtClean="0"/>
-              <a:t>4</a:t>
+              <a:t>5</a:t>
             </a:fld>
             <a:endParaRPr lang="en-NZ"/>
           </a:p>
@@ -749,7 +1008,7 @@
 </p:notes>
 </file>
 
-<file path=ppt/notesSlides/notesSlide3.xml><?xml version="1.0" encoding="utf-8"?>
+<file path=ppt/notesSlides/notesSlide4.xml><?xml version="1.0" encoding="utf-8"?>
 <p:notes xmlns:a="http://schemas.openxmlformats.org/drawingml/2006/main" xmlns:r="http://schemas.openxmlformats.org/officeDocument/2006/relationships" xmlns:p="http://schemas.openxmlformats.org/presentationml/2006/main" showMasterSp="0" showMasterPhAnim="0">
   <p:cSld>
     <p:spTree>
@@ -853,7 +1112,7 @@
 </p:notes>
 </file>
 
-<file path=ppt/notesSlides/notesSlide4.xml><?xml version="1.0" encoding="utf-8"?>
+<file path=ppt/notesSlides/notesSlide5.xml><?xml version="1.0" encoding="utf-8"?>
 <p:notes xmlns:a="http://schemas.openxmlformats.org/drawingml/2006/main" xmlns:r="http://schemas.openxmlformats.org/officeDocument/2006/relationships" xmlns:p="http://schemas.openxmlformats.org/presentationml/2006/main" showMasterSp="0" showMasterPhAnim="0">
   <p:cSld>
     <p:spTree>
@@ -980,108 +1239,6 @@
 </p:notes>
 </file>
 
-<file path=ppt/notesSlides/notesSlide5.xml><?xml version="1.0" encoding="utf-8"?>
-<p:notes xmlns:a="http://schemas.openxmlformats.org/drawingml/2006/main" xmlns:r="http://schemas.openxmlformats.org/officeDocument/2006/relationships" xmlns:p="http://schemas.openxmlformats.org/presentationml/2006/main">
-  <p:cSld>
-    <p:spTree>
-      <p:nvGrpSpPr>
-        <p:cNvPr id="1" name=""/>
-        <p:cNvGrpSpPr/>
-        <p:nvPr/>
-      </p:nvGrpSpPr>
-      <p:grpSpPr>
-        <a:xfrm>
-          <a:off x="0" y="0"/>
-          <a:ext cx="0" cy="0"/>
-          <a:chOff x="0" y="0"/>
-          <a:chExt cx="0" cy="0"/>
-        </a:xfrm>
-      </p:grpSpPr>
-      <p:sp>
-        <p:nvSpPr>
-          <p:cNvPr id="2" name="Slide Image Placeholder 1"/>
-          <p:cNvSpPr>
-            <a:spLocks noGrp="1" noRot="1" noChangeAspect="1"/>
-          </p:cNvSpPr>
-          <p:nvPr>
-            <p:ph type="sldImg"/>
-          </p:nvPr>
-        </p:nvSpPr>
-        <p:spPr/>
-      </p:sp>
-      <p:sp>
-        <p:nvSpPr>
-          <p:cNvPr id="3" name="Notes Placeholder 2"/>
-          <p:cNvSpPr>
-            <a:spLocks noGrp="1"/>
-          </p:cNvSpPr>
-          <p:nvPr>
-            <p:ph type="body" idx="1"/>
-          </p:nvPr>
-        </p:nvSpPr>
-        <p:spPr/>
-        <p:txBody>
-          <a:bodyPr/>
-          <a:lstStyle/>
-          <a:p>
-            <a:r>
-              <a:rPr lang="en-NZ" i="1" dirty="0"/>
-              <a:t>NOTE: Trialling needs to happen for </a:t>
-            </a:r>
-            <a:r>
-              <a:rPr lang="en-NZ" b="1" i="1" dirty="0"/>
-              <a:t>at least 2 </a:t>
-            </a:r>
-            <a:r>
-              <a:rPr lang="en-NZ" i="1" dirty="0"/>
-              <a:t>of your components but is not necessary for ALL components.</a:t>
-            </a:r>
-          </a:p>
-          <a:p>
-            <a:r>
-              <a:rPr lang="en" i="1" dirty="0"/>
-              <a:t>Trialling is not the same as testing. Trialling is about finding different ways of building the same component. Show evidence of  your trialling  here. Select one of your trials for further development and give reasons for your choice. </a:t>
-            </a:r>
-            <a:endParaRPr lang="en-NZ" dirty="0"/>
-          </a:p>
-        </p:txBody>
-      </p:sp>
-      <p:sp>
-        <p:nvSpPr>
-          <p:cNvPr id="4" name="Slide Number Placeholder 3"/>
-          <p:cNvSpPr>
-            <a:spLocks noGrp="1"/>
-          </p:cNvSpPr>
-          <p:nvPr>
-            <p:ph type="sldNum" sz="quarter" idx="5"/>
-          </p:nvPr>
-        </p:nvSpPr>
-        <p:spPr/>
-        <p:txBody>
-          <a:bodyPr/>
-          <a:lstStyle/>
-          <a:p>
-            <a:fld id="{D89B2B17-F4B1-4A14-AF99-5A366D45E74A}" type="slidenum">
-              <a:rPr lang="en-NZ" smtClean="0"/>
-              <a:t>7</a:t>
-            </a:fld>
-            <a:endParaRPr lang="en-NZ"/>
-          </a:p>
-        </p:txBody>
-      </p:sp>
-    </p:spTree>
-    <p:extLst>
-      <p:ext uri="{BB962C8B-B14F-4D97-AF65-F5344CB8AC3E}">
-        <p14:creationId xmlns:p14="http://schemas.microsoft.com/office/powerpoint/2010/main" val="120689959"/>
-      </p:ext>
-    </p:extLst>
-  </p:cSld>
-  <p:clrMapOvr>
-    <a:masterClrMapping/>
-  </p:clrMapOvr>
-</p:notes>
-</file>
-
 <file path=ppt/notesSlides/notesSlide6.xml><?xml version="1.0" encoding="utf-8"?>
 <p:notes xmlns:a="http://schemas.openxmlformats.org/drawingml/2006/main" xmlns:r="http://schemas.openxmlformats.org/officeDocument/2006/relationships" xmlns:p="http://schemas.openxmlformats.org/presentationml/2006/main">
   <p:cSld>
@@ -1126,22 +1283,25 @@
           <a:bodyPr/>
           <a:lstStyle/>
           <a:p>
-            <a:pPr>
-              <a:lnSpc>
-                <a:spcPct val="115000"/>
-              </a:lnSpc>
-            </a:pPr>
-            <a:r>
-              <a:rPr lang="en-NZ" i="1" dirty="0">
-                <a:latin typeface="Arial" panose="020B0604020202020204" pitchFamily="34" charset="0"/>
-                <a:ea typeface="Arial" panose="020B0604020202020204" pitchFamily="34" charset="0"/>
-              </a:rPr>
-              <a:t>You must show the results of testing. For each component, include a screenshot proving it works.  You can also include notes about each test. </a:t>
-            </a:r>
-            <a:endParaRPr lang="en-NZ" dirty="0">
-              <a:latin typeface="Arial" panose="020B0604020202020204" pitchFamily="34" charset="0"/>
-              <a:ea typeface="Arial" panose="020B0604020202020204" pitchFamily="34" charset="0"/>
-            </a:endParaRPr>
+            <a:r>
+              <a:rPr lang="en-NZ" i="1" dirty="0"/>
+              <a:t>NOTE: Trialling needs to happen for </a:t>
+            </a:r>
+            <a:r>
+              <a:rPr lang="en-NZ" b="1" i="1" dirty="0"/>
+              <a:t>at least 2 </a:t>
+            </a:r>
+            <a:r>
+              <a:rPr lang="en-NZ" i="1" dirty="0"/>
+              <a:t>of your components but is not necessary for ALL components.</a:t>
+            </a:r>
+          </a:p>
+          <a:p>
+            <a:r>
+              <a:rPr lang="en" i="1" dirty="0"/>
+              <a:t>Trialling is not the same as testing. Trialling is about finding different ways of building the same component. Show evidence of  your trialling  here. Select one of your trials for further development and give reasons for your choice. </a:t>
+            </a:r>
+            <a:endParaRPr lang="en-NZ" dirty="0"/>
           </a:p>
         </p:txBody>
       </p:sp>
@@ -1171,7 +1331,7 @@
     </p:spTree>
     <p:extLst>
       <p:ext uri="{BB962C8B-B14F-4D97-AF65-F5344CB8AC3E}">
-        <p14:creationId xmlns:p14="http://schemas.microsoft.com/office/powerpoint/2010/main" val="3683133660"/>
+        <p14:creationId xmlns:p14="http://schemas.microsoft.com/office/powerpoint/2010/main" val="120689959"/>
       </p:ext>
     </p:extLst>
   </p:cSld>
@@ -1225,31 +1385,22 @@
           <a:bodyPr/>
           <a:lstStyle/>
           <a:p>
-            <a:pPr marL="0" marR="0" lvl="0" indent="0" algn="l" defTabSz="914400" rtl="0" eaLnBrk="1" fontAlgn="auto" latinLnBrk="0" hangingPunct="1">
+            <a:pPr>
               <a:lnSpc>
-                <a:spcPct val="100000"/>
+                <a:spcPct val="115000"/>
               </a:lnSpc>
-              <a:spcBef>
-                <a:spcPts val="0"/>
-              </a:spcBef>
-              <a:spcAft>
-                <a:spcPts val="0"/>
-              </a:spcAft>
-              <a:buClrTx/>
-              <a:buSzTx/>
-              <a:buFontTx/>
-              <a:buNone/>
-              <a:tabLst/>
-              <a:defRPr/>
             </a:pPr>
             <a:r>
               <a:rPr lang="en-NZ" i="1" dirty="0">
                 <a:latin typeface="Arial" panose="020B0604020202020204" pitchFamily="34" charset="0"/>
                 <a:ea typeface="Arial" panose="020B0604020202020204" pitchFamily="34" charset="0"/>
               </a:rPr>
-              <a:t>Show testing for your assembled outcome below.  This should include a test plan followed by screenshot proof.  </a:t>
-            </a:r>
-            <a:endParaRPr lang="en-NZ" dirty="0"/>
+              <a:t>You must show the results of testing. For each component, include a screenshot proving it works.  You can also include notes about each test. </a:t>
+            </a:r>
+            <a:endParaRPr lang="en-NZ" dirty="0">
+              <a:latin typeface="Arial" panose="020B0604020202020204" pitchFamily="34" charset="0"/>
+              <a:ea typeface="Arial" panose="020B0604020202020204" pitchFamily="34" charset="0"/>
+            </a:endParaRPr>
           </a:p>
         </p:txBody>
       </p:sp>
@@ -1279,7 +1430,7 @@
     </p:spTree>
     <p:extLst>
       <p:ext uri="{BB962C8B-B14F-4D97-AF65-F5344CB8AC3E}">
-        <p14:creationId xmlns:p14="http://schemas.microsoft.com/office/powerpoint/2010/main" val="234755665"/>
+        <p14:creationId xmlns:p14="http://schemas.microsoft.com/office/powerpoint/2010/main" val="3683133660"/>
       </p:ext>
     </p:extLst>
   </p:cSld>
@@ -1355,14 +1506,8 @@
                 <a:latin typeface="Arial" panose="020B0604020202020204" pitchFamily="34" charset="0"/>
                 <a:ea typeface="Arial" panose="020B0604020202020204" pitchFamily="34" charset="0"/>
               </a:rPr>
-              <a:t>Your version control evidence should go here.  This could be in the form of screenshots (both of your GitHub repository as well as your local project folder) as evidence of your incremental development.</a:t>
-            </a:r>
-            <a:endParaRPr lang="en-NZ" dirty="0">
-              <a:latin typeface="Arial" panose="020B0604020202020204" pitchFamily="34" charset="0"/>
-              <a:ea typeface="Arial" panose="020B0604020202020204" pitchFamily="34" charset="0"/>
-            </a:endParaRPr>
-          </a:p>
-          <a:p>
+              <a:t>Show testing for your assembled outcome below.  This should include a test plan followed by screenshot proof.  </a:t>
+            </a:r>
             <a:endParaRPr lang="en-NZ" dirty="0"/>
           </a:p>
         </p:txBody>
@@ -1384,7 +1529,7 @@
           <a:p>
             <a:fld id="{D89B2B17-F4B1-4A14-AF99-5A366D45E74A}" type="slidenum">
               <a:rPr lang="en-NZ" smtClean="0"/>
-              <a:t>11</a:t>
+              <a:t>10</a:t>
             </a:fld>
             <a:endParaRPr lang="en-NZ"/>
           </a:p>
@@ -1393,7 +1538,7 @@
     </p:spTree>
     <p:extLst>
       <p:ext uri="{BB962C8B-B14F-4D97-AF65-F5344CB8AC3E}">
-        <p14:creationId xmlns:p14="http://schemas.microsoft.com/office/powerpoint/2010/main" val="1431557508"/>
+        <p14:creationId xmlns:p14="http://schemas.microsoft.com/office/powerpoint/2010/main" val="234755665"/>
       </p:ext>
     </p:extLst>
   </p:cSld>
@@ -1467,9 +1612,14 @@
             <a:r>
               <a:rPr lang="en-NZ" i="1" dirty="0">
                 <a:latin typeface="Arial" panose="020B0604020202020204" pitchFamily="34" charset="0"/>
+                <a:ea typeface="Arial" panose="020B0604020202020204" pitchFamily="34" charset="0"/>
               </a:rPr>
-              <a:t>Discuss how the information from planning, testing and trialling of components assisted in the development of a high-quality outcome.</a:t>
-            </a:r>
+              <a:t>Your version control evidence should go here.  This could be in the form of screenshots (both of your GitHub repository as well as your local project folder) as evidence of your incremental development.</a:t>
+            </a:r>
+            <a:endParaRPr lang="en-NZ" dirty="0">
+              <a:latin typeface="Arial" panose="020B0604020202020204" pitchFamily="34" charset="0"/>
+              <a:ea typeface="Arial" panose="020B0604020202020204" pitchFamily="34" charset="0"/>
+            </a:endParaRPr>
           </a:p>
           <a:p>
             <a:endParaRPr lang="en-NZ" dirty="0"/>
@@ -1502,7 +1652,7 @@
     </p:spTree>
     <p:extLst>
       <p:ext uri="{BB962C8B-B14F-4D97-AF65-F5344CB8AC3E}">
-        <p14:creationId xmlns:p14="http://schemas.microsoft.com/office/powerpoint/2010/main" val="1738331893"/>
+        <p14:creationId xmlns:p14="http://schemas.microsoft.com/office/powerpoint/2010/main" val="1431557508"/>
       </p:ext>
     </p:extLst>
   </p:cSld>
@@ -1661,7 +1811,7 @@
           <a:p>
             <a:fld id="{9C4A4F43-1C06-40E6-8F87-8B286982E50E}" type="datetimeFigureOut">
               <a:rPr lang="en-NZ" smtClean="0"/>
-              <a:t>23/03/2023</a:t>
+              <a:t>27/04/2023</a:t>
             </a:fld>
             <a:endParaRPr lang="en-NZ" dirty="0"/>
           </a:p>
@@ -1861,7 +2011,7 @@
           <a:p>
             <a:fld id="{9C4A4F43-1C06-40E6-8F87-8B286982E50E}" type="datetimeFigureOut">
               <a:rPr lang="en-NZ" smtClean="0"/>
-              <a:t>23/03/2023</a:t>
+              <a:t>27/04/2023</a:t>
             </a:fld>
             <a:endParaRPr lang="en-NZ" dirty="0"/>
           </a:p>
@@ -2071,7 +2221,7 @@
           <a:p>
             <a:fld id="{9C4A4F43-1C06-40E6-8F87-8B286982E50E}" type="datetimeFigureOut">
               <a:rPr lang="en-NZ" smtClean="0"/>
-              <a:t>23/03/2023</a:t>
+              <a:t>27/04/2023</a:t>
             </a:fld>
             <a:endParaRPr lang="en-NZ" dirty="0"/>
           </a:p>
@@ -2630,7 +2780,7 @@
           <a:p>
             <a:fld id="{9C4A4F43-1C06-40E6-8F87-8B286982E50E}" type="datetimeFigureOut">
               <a:rPr lang="en-NZ" smtClean="0"/>
-              <a:t>23/03/2023</a:t>
+              <a:t>27/04/2023</a:t>
             </a:fld>
             <a:endParaRPr lang="en-NZ" dirty="0"/>
           </a:p>
@@ -2906,7 +3056,7 @@
           <a:p>
             <a:fld id="{9C4A4F43-1C06-40E6-8F87-8B286982E50E}" type="datetimeFigureOut">
               <a:rPr lang="en-NZ" smtClean="0"/>
-              <a:t>23/03/2023</a:t>
+              <a:t>27/04/2023</a:t>
             </a:fld>
             <a:endParaRPr lang="en-NZ" dirty="0"/>
           </a:p>
@@ -3174,7 +3324,7 @@
           <a:p>
             <a:fld id="{9C4A4F43-1C06-40E6-8F87-8B286982E50E}" type="datetimeFigureOut">
               <a:rPr lang="en-NZ" smtClean="0"/>
-              <a:t>23/03/2023</a:t>
+              <a:t>27/04/2023</a:t>
             </a:fld>
             <a:endParaRPr lang="en-NZ" dirty="0"/>
           </a:p>
@@ -3589,7 +3739,7 @@
           <a:p>
             <a:fld id="{9C4A4F43-1C06-40E6-8F87-8B286982E50E}" type="datetimeFigureOut">
               <a:rPr lang="en-NZ" smtClean="0"/>
-              <a:t>23/03/2023</a:t>
+              <a:t>27/04/2023</a:t>
             </a:fld>
             <a:endParaRPr lang="en-NZ" dirty="0"/>
           </a:p>
@@ -3731,7 +3881,7 @@
           <a:p>
             <a:fld id="{9C4A4F43-1C06-40E6-8F87-8B286982E50E}" type="datetimeFigureOut">
               <a:rPr lang="en-NZ" smtClean="0"/>
-              <a:t>23/03/2023</a:t>
+              <a:t>27/04/2023</a:t>
             </a:fld>
             <a:endParaRPr lang="en-NZ" dirty="0"/>
           </a:p>
@@ -3844,7 +3994,7 @@
           <a:p>
             <a:fld id="{9C4A4F43-1C06-40E6-8F87-8B286982E50E}" type="datetimeFigureOut">
               <a:rPr lang="en-NZ" smtClean="0"/>
-              <a:t>23/03/2023</a:t>
+              <a:t>27/04/2023</a:t>
             </a:fld>
             <a:endParaRPr lang="en-NZ" dirty="0"/>
           </a:p>
@@ -4157,7 +4307,7 @@
           <a:p>
             <a:fld id="{9C4A4F43-1C06-40E6-8F87-8B286982E50E}" type="datetimeFigureOut">
               <a:rPr lang="en-NZ" smtClean="0"/>
-              <a:t>23/03/2023</a:t>
+              <a:t>27/04/2023</a:t>
             </a:fld>
             <a:endParaRPr lang="en-NZ" dirty="0"/>
           </a:p>
@@ -4446,7 +4596,7 @@
           <a:p>
             <a:fld id="{9C4A4F43-1C06-40E6-8F87-8B286982E50E}" type="datetimeFigureOut">
               <a:rPr lang="en-NZ" smtClean="0"/>
-              <a:t>23/03/2023</a:t>
+              <a:t>27/04/2023</a:t>
             </a:fld>
             <a:endParaRPr lang="en-NZ" dirty="0"/>
           </a:p>
@@ -4689,7 +4839,7 @@
           <a:p>
             <a:fld id="{9C4A4F43-1C06-40E6-8F87-8B286982E50E}" type="datetimeFigureOut">
               <a:rPr lang="en-NZ" smtClean="0"/>
-              <a:t>23/03/2023</a:t>
+              <a:t>27/04/2023</a:t>
             </a:fld>
             <a:endParaRPr lang="en-NZ" dirty="0"/>
           </a:p>
@@ -5210,6 +5360,120 @@
           <p:cNvPr id="2" name="Title 1">
             <a:extLst>
               <a:ext uri="{FF2B5EF4-FFF2-40B4-BE49-F238E27FC236}">
+                <a16:creationId xmlns:a16="http://schemas.microsoft.com/office/drawing/2014/main" id="{183CAE4A-E189-4CAA-B3F5-7E97BC5188E3}"/>
+              </a:ext>
+            </a:extLst>
+          </p:cNvPr>
+          <p:cNvSpPr>
+            <a:spLocks noGrp="1"/>
+          </p:cNvSpPr>
+          <p:nvPr>
+            <p:ph type="title"/>
+          </p:nvPr>
+        </p:nvSpPr>
+        <p:spPr>
+          <a:xfrm>
+            <a:off x="838199" y="406400"/>
+            <a:ext cx="10515600" cy="583248"/>
+          </a:xfrm>
+        </p:spPr>
+        <p:txBody>
+          <a:bodyPr>
+            <a:normAutofit fontScale="90000"/>
+          </a:bodyPr>
+          <a:lstStyle/>
+          <a:p>
+            <a:r>
+              <a:rPr lang="en-NZ" sz="4000" dirty="0"/>
+              <a:t>Assembled Outcome Testing:</a:t>
+            </a:r>
+          </a:p>
+        </p:txBody>
+      </p:sp>
+      <p:sp>
+        <p:nvSpPr>
+          <p:cNvPr id="3" name="Rectangle 2">
+            <a:extLst>
+              <a:ext uri="{FF2B5EF4-FFF2-40B4-BE49-F238E27FC236}">
+                <a16:creationId xmlns:a16="http://schemas.microsoft.com/office/drawing/2014/main" id="{DB8F61FF-932E-477F-82DD-3F6BB93999C0}"/>
+              </a:ext>
+            </a:extLst>
+          </p:cNvPr>
+          <p:cNvSpPr/>
+          <p:nvPr/>
+        </p:nvSpPr>
+        <p:spPr>
+          <a:xfrm>
+            <a:off x="838199" y="1089283"/>
+            <a:ext cx="8767813" cy="702372"/>
+          </a:xfrm>
+          <a:prstGeom prst="rect">
+            <a:avLst/>
+          </a:prstGeom>
+        </p:spPr>
+        <p:txBody>
+          <a:bodyPr wrap="square">
+            <a:spAutoFit/>
+          </a:bodyPr>
+          <a:lstStyle/>
+          <a:p>
+            <a:pPr>
+              <a:lnSpc>
+                <a:spcPct val="115000"/>
+              </a:lnSpc>
+              <a:spcAft>
+                <a:spcPts val="0"/>
+              </a:spcAft>
+            </a:pPr>
+            <a:r>
+              <a:rPr lang="en-NZ" i="1" dirty="0">
+                <a:latin typeface="Arial" panose="020B0604020202020204" pitchFamily="34" charset="0"/>
+                <a:ea typeface="Arial" panose="020B0604020202020204" pitchFamily="34" charset="0"/>
+              </a:rPr>
+              <a:t>Show testing for your assembled outcome below.  This should include a test plan followed by screenshot proof.  </a:t>
+            </a:r>
+            <a:endParaRPr lang="en-NZ" dirty="0">
+              <a:latin typeface="Arial" panose="020B0604020202020204" pitchFamily="34" charset="0"/>
+              <a:ea typeface="Arial" panose="020B0604020202020204" pitchFamily="34" charset="0"/>
+            </a:endParaRPr>
+          </a:p>
+        </p:txBody>
+      </p:sp>
+    </p:spTree>
+    <p:extLst>
+      <p:ext uri="{BB962C8B-B14F-4D97-AF65-F5344CB8AC3E}">
+        <p14:creationId xmlns:p14="http://schemas.microsoft.com/office/powerpoint/2010/main" val="1084233196"/>
+      </p:ext>
+    </p:extLst>
+  </p:cSld>
+  <p:clrMapOvr>
+    <a:masterClrMapping/>
+  </p:clrMapOvr>
+</p:sld>
+</file>
+
+<file path=ppt/slides/slide11.xml><?xml version="1.0" encoding="utf-8"?>
+<p:sld xmlns:a="http://schemas.openxmlformats.org/drawingml/2006/main" xmlns:r="http://schemas.openxmlformats.org/officeDocument/2006/relationships" xmlns:p="http://schemas.openxmlformats.org/presentationml/2006/main">
+  <p:cSld>
+    <p:spTree>
+      <p:nvGrpSpPr>
+        <p:cNvPr id="1" name=""/>
+        <p:cNvGrpSpPr/>
+        <p:nvPr/>
+      </p:nvGrpSpPr>
+      <p:grpSpPr>
+        <a:xfrm>
+          <a:off x="0" y="0"/>
+          <a:ext cx="0" cy="0"/>
+          <a:chOff x="0" y="0"/>
+          <a:chExt cx="0" cy="0"/>
+        </a:xfrm>
+      </p:grpSpPr>
+      <p:sp>
+        <p:nvSpPr>
+          <p:cNvPr id="2" name="Title 1">
+            <a:extLst>
+              <a:ext uri="{FF2B5EF4-FFF2-40B4-BE49-F238E27FC236}">
                 <a16:creationId xmlns:a16="http://schemas.microsoft.com/office/drawing/2014/main" id="{0D168B5A-EFF4-4803-8DA6-5994B306EBAF}"/>
               </a:ext>
             </a:extLst>
@@ -5460,7 +5724,7 @@
 </p:sld>
 </file>
 
-<file path=ppt/slides/slide11.xml><?xml version="1.0" encoding="utf-8"?>
+<file path=ppt/slides/slide12.xml><?xml version="1.0" encoding="utf-8"?>
 <p:sld xmlns:a="http://schemas.openxmlformats.org/drawingml/2006/main" xmlns:r="http://schemas.openxmlformats.org/officeDocument/2006/relationships" xmlns:p="http://schemas.openxmlformats.org/presentationml/2006/main">
   <p:cSld>
     <p:spTree>
@@ -5574,7 +5838,7 @@
 </p:sld>
 </file>
 
-<file path=ppt/slides/slide12.xml><?xml version="1.0" encoding="utf-8"?>
+<file path=ppt/slides/slide13.xml><?xml version="1.0" encoding="utf-8"?>
 <p:sld xmlns:a="http://schemas.openxmlformats.org/drawingml/2006/main" xmlns:r="http://schemas.openxmlformats.org/officeDocument/2006/relationships" xmlns:p="http://schemas.openxmlformats.org/presentationml/2006/main">
   <p:cSld>
     <p:spTree>
@@ -5714,7 +5978,7 @@
           <a:lstStyle/>
           <a:p>
             <a:r>
-              <a:rPr lang="en-NZ" b="1"/>
+              <a:rPr lang="en-NZ" b="1" dirty="0"/>
               <a:t>Lucky Unicorn</a:t>
             </a:r>
             <a:endParaRPr lang="en-NZ" dirty="0"/>
@@ -5945,7 +6209,7 @@
                   <a:srgbClr val="274E13"/>
                 </a:solidFill>
               </a:rPr>
-              <a:t>Link to GitHub Repository: [here]</a:t>
+              <a:t>Link to GitHub Repository: https://github.com/mgsthomasxu/Lucky_Unicorn</a:t>
             </a:r>
           </a:p>
           <a:p>
@@ -6328,14 +6592,14 @@
           <p:nvPr>
             <p:extLst>
               <p:ext uri="{D42A27DB-BD31-4B8C-83A1-F6EECF244321}">
-                <p14:modId xmlns:p14="http://schemas.microsoft.com/office/powerpoint/2010/main" val="894729806"/>
+                <p14:modId xmlns:p14="http://schemas.microsoft.com/office/powerpoint/2010/main" val="1171367977"/>
               </p:ext>
             </p:extLst>
           </p:nvPr>
         </p:nvGraphicFramePr>
         <p:xfrm>
           <a:off x="589280" y="1574800"/>
-          <a:ext cx="10515600" cy="1854200"/>
+          <a:ext cx="10623006" cy="4754880"/>
         </p:xfrm>
         <a:graphic>
           <a:graphicData uri="http://schemas.openxmlformats.org/drawingml/2006/table">
@@ -6344,14 +6608,14 @@
                 <a:tableStyleId>{5C22544A-7EE6-4342-B048-85BDC9FD1C3A}</a:tableStyleId>
               </a:tblPr>
               <a:tblGrid>
-                <a:gridCol w="4017753">
+                <a:gridCol w="4058790">
                   <a:extLst>
                     <a:ext uri="{9D8B030D-6E8A-4147-A177-3AD203B41FA5}">
                       <a16:colId xmlns:a16="http://schemas.microsoft.com/office/drawing/2014/main" val="2849256304"/>
                     </a:ext>
                   </a:extLst>
                 </a:gridCol>
-                <a:gridCol w="6497847">
+                <a:gridCol w="6564216">
                   <a:extLst>
                     <a:ext uri="{9D8B030D-6E8A-4147-A177-3AD203B41FA5}">
                       <a16:colId xmlns:a16="http://schemas.microsoft.com/office/drawing/2014/main" val="2106481727"/>
@@ -6359,7 +6623,7 @@
                   </a:extLst>
                 </a:gridCol>
               </a:tblGrid>
-              <a:tr h="370840">
+              <a:tr h="336422">
                 <a:tc>
                   <a:txBody>
                     <a:bodyPr/>
@@ -6392,13 +6656,16 @@
                   </a:ext>
                 </a:extLst>
               </a:tr>
-              <a:tr h="370840">
+              <a:tr h="1587529">
                 <a:tc>
                   <a:txBody>
                     <a:bodyPr/>
                     <a:lstStyle/>
                     <a:p>
-                      <a:endParaRPr lang="en-NZ" dirty="0"/>
+                      <a:r>
+                        <a:rPr lang="en-NZ" dirty="0"/>
+                        <a:t>functionality</a:t>
+                      </a:r>
                     </a:p>
                   </a:txBody>
                   <a:tcPr/>
@@ -6408,7 +6675,10 @@
                     <a:bodyPr/>
                     <a:lstStyle/>
                     <a:p>
-                      <a:endParaRPr lang="en-NZ" dirty="0"/>
+                      <a:r>
+                        <a:rPr lang="en-NZ" dirty="0"/>
+                        <a:t>Functionality is about ensuring that the program works as expected. It should work for expected, boundary and unexpected  cases. For example, if my program asks how many rounds a user wants, it should work for expected input like ‘2’ or boundary input like ‘1’ but it should not crash if the user enters something invalid like ‘0’ or ‘0.5’ or ‘one’</a:t>
+                      </a:r>
                     </a:p>
                   </a:txBody>
                   <a:tcPr/>
@@ -6419,13 +6689,16 @@
                   </a:ext>
                 </a:extLst>
               </a:tr>
-              <a:tr h="370840">
+              <a:tr h="1086204">
                 <a:tc>
                   <a:txBody>
                     <a:bodyPr/>
                     <a:lstStyle/>
                     <a:p>
-                      <a:endParaRPr lang="en-NZ" dirty="0"/>
+                      <a:r>
+                        <a:rPr lang="en-NZ" dirty="0"/>
+                        <a:t>usability</a:t>
+                      </a:r>
                     </a:p>
                   </a:txBody>
                   <a:tcPr/>
@@ -6435,7 +6708,10 @@
                     <a:bodyPr/>
                     <a:lstStyle/>
                     <a:p>
-                      <a:endParaRPr lang="en-NZ" dirty="0"/>
+                      <a:r>
+                        <a:rPr lang="en-NZ" dirty="0"/>
+                        <a:t>Usability is about how early the end user can get the program to do what it is supposed to do. It deals with issues like making instructions and error messages clear and easy for users to understand. It is important to minimise or eliminate any frustration.</a:t>
+                      </a:r>
                     </a:p>
                   </a:txBody>
                   <a:tcPr/>
@@ -6446,13 +6722,16 @@
                   </a:ext>
                 </a:extLst>
               </a:tr>
-              <a:tr h="370840">
+              <a:tr h="336422">
                 <a:tc>
                   <a:txBody>
                     <a:bodyPr/>
                     <a:lstStyle/>
                     <a:p>
-                      <a:endParaRPr lang="en-NZ" dirty="0"/>
+                      <a:r>
+                        <a:rPr lang="en-NZ" dirty="0"/>
+                        <a:t>aesthetic</a:t>
+                      </a:r>
                     </a:p>
                   </a:txBody>
                   <a:tcPr/>
@@ -6462,7 +6741,10 @@
                     <a:bodyPr/>
                     <a:lstStyle/>
                     <a:p>
-                      <a:endParaRPr lang="en-NZ" dirty="0"/>
+                      <a:r>
+                        <a:rPr lang="en-NZ" dirty="0"/>
+                        <a:t>Aesthetic is about the program’s overall appearance. A program which looks good because it includes well spaced instructions, prompts and ‘decoration’ around key messages is going to be more aesthetically pleasing than one which is composed of unspaced plain text,</a:t>
+                      </a:r>
                     </a:p>
                   </a:txBody>
                   <a:tcPr/>
@@ -6470,33 +6752,6 @@
                 <a:extLst>
                   <a:ext uri="{0D108BD9-81ED-4DB2-BD59-A6C34878D82A}">
                     <a16:rowId xmlns:a16="http://schemas.microsoft.com/office/drawing/2014/main" val="1686164491"/>
-                  </a:ext>
-                </a:extLst>
-              </a:tr>
-              <a:tr h="370840">
-                <a:tc>
-                  <a:txBody>
-                    <a:bodyPr/>
-                    <a:lstStyle/>
-                    <a:p>
-                      <a:endParaRPr lang="en-NZ" dirty="0"/>
-                    </a:p>
-                  </a:txBody>
-                  <a:tcPr/>
-                </a:tc>
-                <a:tc>
-                  <a:txBody>
-                    <a:bodyPr/>
-                    <a:lstStyle/>
-                    <a:p>
-                      <a:endParaRPr lang="en-NZ" dirty="0"/>
-                    </a:p>
-                  </a:txBody>
-                  <a:tcPr/>
-                </a:tc>
-                <a:extLst>
-                  <a:ext uri="{0D108BD9-81ED-4DB2-BD59-A6C34878D82A}">
-                    <a16:rowId xmlns:a16="http://schemas.microsoft.com/office/drawing/2014/main" val="1038612699"/>
                   </a:ext>
                 </a:extLst>
               </a:tr>
@@ -6539,6 +6794,279 @@
           <p:cNvPr id="2" name="Title 1">
             <a:extLst>
               <a:ext uri="{FF2B5EF4-FFF2-40B4-BE49-F238E27FC236}">
+                <a16:creationId xmlns:a16="http://schemas.microsoft.com/office/drawing/2014/main" id="{0D168B5A-EFF4-4803-8DA6-5994B306EBAF}"/>
+              </a:ext>
+            </a:extLst>
+          </p:cNvPr>
+          <p:cNvSpPr>
+            <a:spLocks noGrp="1"/>
+          </p:cNvSpPr>
+          <p:nvPr>
+            <p:ph type="title"/>
+          </p:nvPr>
+        </p:nvSpPr>
+        <p:spPr>
+          <a:xfrm>
+            <a:off x="838200" y="365125"/>
+            <a:ext cx="10515600" cy="559435"/>
+          </a:xfrm>
+        </p:spPr>
+        <p:txBody>
+          <a:bodyPr>
+            <a:normAutofit fontScale="90000"/>
+          </a:bodyPr>
+          <a:lstStyle/>
+          <a:p>
+            <a:pPr>
+              <a:lnSpc>
+                <a:spcPct val="115000"/>
+              </a:lnSpc>
+              <a:spcAft>
+                <a:spcPts val="0"/>
+              </a:spcAft>
+            </a:pPr>
+            <a:r>
+              <a:rPr lang="en-NZ" dirty="0"/>
+              <a:t>Describe relevant Implications:</a:t>
+            </a:r>
+          </a:p>
+        </p:txBody>
+      </p:sp>
+      <p:sp>
+        <p:nvSpPr>
+          <p:cNvPr id="5" name="Rectangle 4">
+            <a:extLst>
+              <a:ext uri="{FF2B5EF4-FFF2-40B4-BE49-F238E27FC236}">
+                <a16:creationId xmlns:a16="http://schemas.microsoft.com/office/drawing/2014/main" id="{ACAE53BB-FF7D-43E7-AF26-E5A3D9A837CF}"/>
+              </a:ext>
+            </a:extLst>
+          </p:cNvPr>
+          <p:cNvSpPr/>
+          <p:nvPr/>
+        </p:nvSpPr>
+        <p:spPr>
+          <a:xfrm>
+            <a:off x="726440" y="1028343"/>
+            <a:ext cx="9999846" cy="369332"/>
+          </a:xfrm>
+          <a:prstGeom prst="rect">
+            <a:avLst/>
+          </a:prstGeom>
+        </p:spPr>
+        <p:txBody>
+          <a:bodyPr wrap="square">
+            <a:spAutoFit/>
+          </a:bodyPr>
+          <a:lstStyle/>
+          <a:p>
+            <a:pPr marL="0" marR="0" lvl="0" indent="0" algn="l" defTabSz="914400" rtl="0" eaLnBrk="1" fontAlgn="auto" latinLnBrk="0" hangingPunct="1">
+              <a:lnSpc>
+                <a:spcPct val="100000"/>
+              </a:lnSpc>
+              <a:spcBef>
+                <a:spcPts val="0"/>
+              </a:spcBef>
+              <a:spcAft>
+                <a:spcPts val="0"/>
+              </a:spcAft>
+              <a:buClrTx/>
+              <a:buSzTx/>
+              <a:buFontTx/>
+              <a:buNone/>
+              <a:tabLst/>
+              <a:defRPr/>
+            </a:pPr>
+            <a:r>
+              <a:rPr lang="en-NZ" i="1" dirty="0"/>
+              <a:t>Additional rows can be added by clicking in the last cell and then using the Tab key </a:t>
+            </a:r>
+          </a:p>
+        </p:txBody>
+      </p:sp>
+      <p:graphicFrame>
+        <p:nvGraphicFramePr>
+          <p:cNvPr id="6" name="Table 4">
+            <a:extLst>
+              <a:ext uri="{FF2B5EF4-FFF2-40B4-BE49-F238E27FC236}">
+                <a16:creationId xmlns:a16="http://schemas.microsoft.com/office/drawing/2014/main" id="{A02ECB3F-5E1A-4602-8844-49609D54ADF8}"/>
+              </a:ext>
+            </a:extLst>
+          </p:cNvPr>
+          <p:cNvGraphicFramePr>
+            <a:graphicFrameLocks noGrp="1"/>
+          </p:cNvGraphicFramePr>
+          <p:nvPr>
+            <p:extLst>
+              <p:ext uri="{D42A27DB-BD31-4B8C-83A1-F6EECF244321}">
+                <p14:modId xmlns:p14="http://schemas.microsoft.com/office/powerpoint/2010/main" val="1221692369"/>
+              </p:ext>
+            </p:extLst>
+          </p:nvPr>
+        </p:nvGraphicFramePr>
+        <p:xfrm>
+          <a:off x="589280" y="1574800"/>
+          <a:ext cx="10623006" cy="3566160"/>
+        </p:xfrm>
+        <a:graphic>
+          <a:graphicData uri="http://schemas.openxmlformats.org/drawingml/2006/table">
+            <a:tbl>
+              <a:tblPr firstRow="1" bandRow="1">
+                <a:tableStyleId>{5C22544A-7EE6-4342-B048-85BDC9FD1C3A}</a:tableStyleId>
+              </a:tblPr>
+              <a:tblGrid>
+                <a:gridCol w="4058790">
+                  <a:extLst>
+                    <a:ext uri="{9D8B030D-6E8A-4147-A177-3AD203B41FA5}">
+                      <a16:colId xmlns:a16="http://schemas.microsoft.com/office/drawing/2014/main" val="2849256304"/>
+                    </a:ext>
+                  </a:extLst>
+                </a:gridCol>
+                <a:gridCol w="6564216">
+                  <a:extLst>
+                    <a:ext uri="{9D8B030D-6E8A-4147-A177-3AD203B41FA5}">
+                      <a16:colId xmlns:a16="http://schemas.microsoft.com/office/drawing/2014/main" val="2106481727"/>
+                    </a:ext>
+                  </a:extLst>
+                </a:gridCol>
+              </a:tblGrid>
+              <a:tr h="336422">
+                <a:tc>
+                  <a:txBody>
+                    <a:bodyPr/>
+                    <a:lstStyle/>
+                    <a:p>
+                      <a:r>
+                        <a:rPr lang="en-NZ" dirty="0"/>
+                        <a:t>Relevant implication</a:t>
+                      </a:r>
+                    </a:p>
+                  </a:txBody>
+                  <a:tcPr/>
+                </a:tc>
+                <a:tc>
+                  <a:txBody>
+                    <a:bodyPr/>
+                    <a:lstStyle/>
+                    <a:p>
+                      <a:r>
+                        <a:rPr lang="en-NZ" dirty="0"/>
+                        <a:t>Describe the implication and give an example</a:t>
+                      </a:r>
+                    </a:p>
+                  </a:txBody>
+                  <a:tcPr/>
+                </a:tc>
+                <a:extLst>
+                  <a:ext uri="{0D108BD9-81ED-4DB2-BD59-A6C34878D82A}">
+                    <a16:rowId xmlns:a16="http://schemas.microsoft.com/office/drawing/2014/main" val="2286542890"/>
+                  </a:ext>
+                </a:extLst>
+              </a:tr>
+              <a:tr h="1587529">
+                <a:tc>
+                  <a:txBody>
+                    <a:bodyPr/>
+                    <a:lstStyle/>
+                    <a:p>
+                      <a:r>
+                        <a:rPr lang="en-NZ" dirty="0"/>
+                        <a:t>Social</a:t>
+                      </a:r>
+                    </a:p>
+                  </a:txBody>
+                  <a:tcPr/>
+                </a:tc>
+                <a:tc>
+                  <a:txBody>
+                    <a:bodyPr/>
+                    <a:lstStyle/>
+                    <a:p>
+                      <a:r>
+                        <a:rPr lang="en-NZ" dirty="0"/>
+                        <a:t>The social implication of a computer program are about the affect it might have on user, the wider community, and society as a whole. For example, computer programs which are based around a gambling game can have a negative impact on society if there are no safeguards in place to limit users from excessive losses. It is also important to use clear, unambiguous instructions and feedback which is culturally neutral and inoffensive.</a:t>
+                      </a:r>
+                    </a:p>
+                  </a:txBody>
+                  <a:tcPr/>
+                </a:tc>
+                <a:extLst>
+                  <a:ext uri="{0D108BD9-81ED-4DB2-BD59-A6C34878D82A}">
+                    <a16:rowId xmlns:a16="http://schemas.microsoft.com/office/drawing/2014/main" val="2636529970"/>
+                  </a:ext>
+                </a:extLst>
+              </a:tr>
+              <a:tr h="1086204">
+                <a:tc>
+                  <a:txBody>
+                    <a:bodyPr/>
+                    <a:lstStyle/>
+                    <a:p>
+                      <a:r>
+                        <a:rPr lang="en-NZ" dirty="0"/>
+                        <a:t>Future proofing</a:t>
+                      </a:r>
+                    </a:p>
+                  </a:txBody>
+                  <a:tcPr/>
+                </a:tc>
+                <a:tc>
+                  <a:txBody>
+                    <a:bodyPr/>
+                    <a:lstStyle/>
+                    <a:p>
+                      <a:r>
+                        <a:rPr lang="en-NZ" dirty="0"/>
+                        <a:t>Future proofing is about making a program which is flexible and adaptable and easy to modify later if necessary. The code needs to be well set out and commented so that another programmer can make changes easily at some future time.</a:t>
+                      </a:r>
+                    </a:p>
+                  </a:txBody>
+                  <a:tcPr/>
+                </a:tc>
+                <a:extLst>
+                  <a:ext uri="{0D108BD9-81ED-4DB2-BD59-A6C34878D82A}">
+                    <a16:rowId xmlns:a16="http://schemas.microsoft.com/office/drawing/2014/main" val="845002142"/>
+                  </a:ext>
+                </a:extLst>
+              </a:tr>
+            </a:tbl>
+          </a:graphicData>
+        </a:graphic>
+      </p:graphicFrame>
+    </p:spTree>
+    <p:extLst>
+      <p:ext uri="{BB962C8B-B14F-4D97-AF65-F5344CB8AC3E}">
+        <p14:creationId xmlns:p14="http://schemas.microsoft.com/office/powerpoint/2010/main" val="31102349"/>
+      </p:ext>
+    </p:extLst>
+  </p:cSld>
+  <p:clrMapOvr>
+    <a:masterClrMapping/>
+  </p:clrMapOvr>
+</p:sld>
+</file>
+
+<file path=ppt/slides/slide5.xml><?xml version="1.0" encoding="utf-8"?>
+<p:sld xmlns:a="http://schemas.openxmlformats.org/drawingml/2006/main" xmlns:r="http://schemas.openxmlformats.org/officeDocument/2006/relationships" xmlns:p="http://schemas.openxmlformats.org/presentationml/2006/main">
+  <p:cSld>
+    <p:spTree>
+      <p:nvGrpSpPr>
+        <p:cNvPr id="1" name=""/>
+        <p:cNvGrpSpPr/>
+        <p:nvPr/>
+      </p:nvGrpSpPr>
+      <p:grpSpPr>
+        <a:xfrm>
+          <a:off x="0" y="0"/>
+          <a:ext cx="0" cy="0"/>
+          <a:chOff x="0" y="0"/>
+          <a:chExt cx="0" cy="0"/>
+        </a:xfrm>
+      </p:grpSpPr>
+      <p:sp>
+        <p:nvSpPr>
+          <p:cNvPr id="2" name="Title 1">
+            <a:extLst>
+              <a:ext uri="{FF2B5EF4-FFF2-40B4-BE49-F238E27FC236}">
                 <a16:creationId xmlns:a16="http://schemas.microsoft.com/office/drawing/2014/main" id="{321F8E66-F9B8-4062-8E8D-D5ADB11625DA}"/>
               </a:ext>
             </a:extLst>
@@ -6628,7 +7156,7 @@
 </p:sld>
 </file>
 
-<file path=ppt/slides/slide5.xml><?xml version="1.0" encoding="utf-8"?>
+<file path=ppt/slides/slide6.xml><?xml version="1.0" encoding="utf-8"?>
 <p:sld xmlns:a="http://schemas.openxmlformats.org/drawingml/2006/main" xmlns:r="http://schemas.openxmlformats.org/officeDocument/2006/relationships" xmlns:p="http://schemas.openxmlformats.org/presentationml/2006/main">
   <p:cSld>
     <p:spTree>
@@ -6686,7 +7214,7 @@
 </p:sld>
 </file>
 
-<file path=ppt/slides/slide6.xml><?xml version="1.0" encoding="utf-8"?>
+<file path=ppt/slides/slide7.xml><?xml version="1.0" encoding="utf-8"?>
 <p:sld xmlns:a="http://schemas.openxmlformats.org/drawingml/2006/main" xmlns:r="http://schemas.openxmlformats.org/officeDocument/2006/relationships" xmlns:p="http://schemas.openxmlformats.org/presentationml/2006/main">
   <p:cSld>
     <p:spTree>
@@ -6943,121 +7471,6 @@
 </p:sld>
 </file>
 
-<file path=ppt/slides/slide7.xml><?xml version="1.0" encoding="utf-8"?>
-<p:sld xmlns:a="http://schemas.openxmlformats.org/drawingml/2006/main" xmlns:r="http://schemas.openxmlformats.org/officeDocument/2006/relationships" xmlns:p="http://schemas.openxmlformats.org/presentationml/2006/main">
-  <p:cSld>
-    <p:spTree>
-      <p:nvGrpSpPr>
-        <p:cNvPr id="1" name=""/>
-        <p:cNvGrpSpPr/>
-        <p:nvPr/>
-      </p:nvGrpSpPr>
-      <p:grpSpPr>
-        <a:xfrm>
-          <a:off x="0" y="0"/>
-          <a:ext cx="0" cy="0"/>
-          <a:chOff x="0" y="0"/>
-          <a:chExt cx="0" cy="0"/>
-        </a:xfrm>
-      </p:grpSpPr>
-      <p:sp>
-        <p:nvSpPr>
-          <p:cNvPr id="2" name="Title 1">
-            <a:extLst>
-              <a:ext uri="{FF2B5EF4-FFF2-40B4-BE49-F238E27FC236}">
-                <a16:creationId xmlns:a16="http://schemas.microsoft.com/office/drawing/2014/main" id="{1CC5D32F-7C18-4D00-8D54-2FB046F0A206}"/>
-              </a:ext>
-            </a:extLst>
-          </p:cNvPr>
-          <p:cNvSpPr>
-            <a:spLocks noGrp="1"/>
-          </p:cNvSpPr>
-          <p:nvPr>
-            <p:ph type="title"/>
-          </p:nvPr>
-        </p:nvSpPr>
-        <p:spPr>
-          <a:xfrm>
-            <a:off x="749300" y="223520"/>
-            <a:ext cx="10515600" cy="806768"/>
-          </a:xfrm>
-        </p:spPr>
-        <p:txBody>
-          <a:bodyPr>
-            <a:normAutofit/>
-          </a:bodyPr>
-          <a:lstStyle/>
-          <a:p>
-            <a:r>
-              <a:rPr lang="en-NZ" sz="4000" dirty="0"/>
-              <a:t>[Component name]: Trialling </a:t>
-            </a:r>
-          </a:p>
-        </p:txBody>
-      </p:sp>
-      <p:sp>
-        <p:nvSpPr>
-          <p:cNvPr id="4" name="TextBox 3">
-            <a:extLst>
-              <a:ext uri="{FF2B5EF4-FFF2-40B4-BE49-F238E27FC236}">
-                <a16:creationId xmlns:a16="http://schemas.microsoft.com/office/drawing/2014/main" id="{8CD07A82-A944-4A9B-9A52-515DAC30878A}"/>
-              </a:ext>
-            </a:extLst>
-          </p:cNvPr>
-          <p:cNvSpPr txBox="1"/>
-          <p:nvPr/>
-        </p:nvSpPr>
-        <p:spPr>
-          <a:xfrm>
-            <a:off x="660400" y="1030288"/>
-            <a:ext cx="10693400" cy="923330"/>
-          </a:xfrm>
-          <a:prstGeom prst="rect">
-            <a:avLst/>
-          </a:prstGeom>
-          <a:noFill/>
-        </p:spPr>
-        <p:txBody>
-          <a:bodyPr wrap="square">
-            <a:spAutoFit/>
-          </a:bodyPr>
-          <a:lstStyle/>
-          <a:p>
-            <a:r>
-              <a:rPr lang="en-NZ" i="1" dirty="0"/>
-              <a:t>NOTE: Trialling needs to happen for </a:t>
-            </a:r>
-            <a:r>
-              <a:rPr lang="en-NZ" b="1" i="1" dirty="0"/>
-              <a:t>at least 2 </a:t>
-            </a:r>
-            <a:r>
-              <a:rPr lang="en-NZ" i="1" dirty="0"/>
-              <a:t>of your components but is not necessary for ALL components.</a:t>
-            </a:r>
-          </a:p>
-          <a:p>
-            <a:r>
-              <a:rPr lang="en" i="1" dirty="0"/>
-              <a:t>Trialling is not the same as testing. Trialling is about finding different ways of building the same component. Show evidence of  your trialling  here. Select one of your trials for further development and give reasons for your choice. </a:t>
-            </a:r>
-            <a:endParaRPr lang="en-NZ" dirty="0"/>
-          </a:p>
-        </p:txBody>
-      </p:sp>
-    </p:spTree>
-    <p:extLst>
-      <p:ext uri="{BB962C8B-B14F-4D97-AF65-F5344CB8AC3E}">
-        <p14:creationId xmlns:p14="http://schemas.microsoft.com/office/powerpoint/2010/main" val="270828811"/>
-      </p:ext>
-    </p:extLst>
-  </p:cSld>
-  <p:clrMapOvr>
-    <a:masterClrMapping/>
-  </p:clrMapOvr>
-</p:sld>
-</file>
-
 <file path=ppt/slides/slide8.xml><?xml version="1.0" encoding="utf-8"?>
 <p:sld xmlns:a="http://schemas.openxmlformats.org/drawingml/2006/main" xmlns:r="http://schemas.openxmlformats.org/officeDocument/2006/relationships" xmlns:p="http://schemas.openxmlformats.org/presentationml/2006/main">
   <p:cSld>
@@ -7093,19 +7506,19 @@
         </p:nvSpPr>
         <p:spPr>
           <a:xfrm>
-            <a:off x="838200" y="518160"/>
-            <a:ext cx="10515600" cy="562928"/>
+            <a:off x="749300" y="223520"/>
+            <a:ext cx="10515600" cy="806768"/>
           </a:xfrm>
         </p:spPr>
         <p:txBody>
           <a:bodyPr>
-            <a:normAutofit fontScale="90000"/>
+            <a:normAutofit/>
           </a:bodyPr>
           <a:lstStyle/>
           <a:p>
             <a:r>
-              <a:rPr lang="en-NZ" dirty="0"/>
-              <a:t>[Component name]: Testing </a:t>
+              <a:rPr lang="en-NZ" sz="4000" dirty="0"/>
+              <a:t>[Component name]: Trialling </a:t>
             </a:r>
           </a:p>
         </p:txBody>
@@ -7124,8 +7537,8 @@
         </p:nvSpPr>
         <p:spPr>
           <a:xfrm>
-            <a:off x="749300" y="1081088"/>
-            <a:ext cx="10693400" cy="646331"/>
+            <a:off x="660400" y="1030288"/>
+            <a:ext cx="10693400" cy="923330"/>
           </a:xfrm>
           <a:prstGeom prst="rect">
             <a:avLst/>
@@ -7140,15 +7553,30 @@
           <a:p>
             <a:r>
               <a:rPr lang="en-NZ" i="1" dirty="0"/>
-              <a:t>You must show the results of testing. For each component, include a screenshot proving it works.  You can also include notes about each test. </a:t>
-            </a:r>
+              <a:t>NOTE: Trialling needs to happen for </a:t>
+            </a:r>
+            <a:r>
+              <a:rPr lang="en-NZ" b="1" i="1" dirty="0"/>
+              <a:t>at least 2 </a:t>
+            </a:r>
+            <a:r>
+              <a:rPr lang="en-NZ" i="1" dirty="0"/>
+              <a:t>of your components but is not necessary for ALL components.</a:t>
+            </a:r>
+          </a:p>
+          <a:p>
+            <a:r>
+              <a:rPr lang="en" i="1" dirty="0"/>
+              <a:t>Trialling is not the same as testing. Trialling is about finding different ways of building the same component. Show evidence of  your trialling  here. Select one of your trials for further development and give reasons for your choice. </a:t>
+            </a:r>
+            <a:endParaRPr lang="en-NZ" dirty="0"/>
           </a:p>
         </p:txBody>
       </p:sp>
     </p:spTree>
     <p:extLst>
       <p:ext uri="{BB962C8B-B14F-4D97-AF65-F5344CB8AC3E}">
-        <p14:creationId xmlns:p14="http://schemas.microsoft.com/office/powerpoint/2010/main" val="89592267"/>
+        <p14:creationId xmlns:p14="http://schemas.microsoft.com/office/powerpoint/2010/main" val="270828811"/>
       </p:ext>
     </p:extLst>
   </p:cSld>
@@ -7180,7 +7608,7 @@
           <p:cNvPr id="2" name="Title 1">
             <a:extLst>
               <a:ext uri="{FF2B5EF4-FFF2-40B4-BE49-F238E27FC236}">
-                <a16:creationId xmlns:a16="http://schemas.microsoft.com/office/drawing/2014/main" id="{183CAE4A-E189-4CAA-B3F5-7E97BC5188E3}"/>
+                <a16:creationId xmlns:a16="http://schemas.microsoft.com/office/drawing/2014/main" id="{1CC5D32F-7C18-4D00-8D54-2FB046F0A206}"/>
               </a:ext>
             </a:extLst>
           </p:cNvPr>
@@ -7193,8 +7621,8 @@
         </p:nvSpPr>
         <p:spPr>
           <a:xfrm>
-            <a:off x="838199" y="406400"/>
-            <a:ext cx="10515600" cy="583248"/>
+            <a:off x="838200" y="518160"/>
+            <a:ext cx="10515600" cy="562928"/>
           </a:xfrm>
         </p:spPr>
         <p:txBody>
@@ -7204,32 +7632,33 @@
           <a:lstStyle/>
           <a:p>
             <a:r>
-              <a:rPr lang="en-NZ" sz="4000" dirty="0"/>
-              <a:t>Assembled Outcome Testing:</a:t>
-            </a:r>
-          </a:p>
-        </p:txBody>
-      </p:sp>
-      <p:sp>
-        <p:nvSpPr>
-          <p:cNvPr id="3" name="Rectangle 2">
-            <a:extLst>
-              <a:ext uri="{FF2B5EF4-FFF2-40B4-BE49-F238E27FC236}">
-                <a16:creationId xmlns:a16="http://schemas.microsoft.com/office/drawing/2014/main" id="{DB8F61FF-932E-477F-82DD-3F6BB93999C0}"/>
-              </a:ext>
-            </a:extLst>
-          </p:cNvPr>
-          <p:cNvSpPr/>
+              <a:rPr lang="en-NZ" dirty="0"/>
+              <a:t>[Component name]: Testing </a:t>
+            </a:r>
+          </a:p>
+        </p:txBody>
+      </p:sp>
+      <p:sp>
+        <p:nvSpPr>
+          <p:cNvPr id="4" name="TextBox 3">
+            <a:extLst>
+              <a:ext uri="{FF2B5EF4-FFF2-40B4-BE49-F238E27FC236}">
+                <a16:creationId xmlns:a16="http://schemas.microsoft.com/office/drawing/2014/main" id="{8CD07A82-A944-4A9B-9A52-515DAC30878A}"/>
+              </a:ext>
+            </a:extLst>
+          </p:cNvPr>
+          <p:cNvSpPr txBox="1"/>
           <p:nvPr/>
         </p:nvSpPr>
         <p:spPr>
           <a:xfrm>
-            <a:off x="838199" y="1089283"/>
-            <a:ext cx="8767813" cy="702372"/>
+            <a:off x="749300" y="1081088"/>
+            <a:ext cx="10693400" cy="646331"/>
           </a:xfrm>
           <a:prstGeom prst="rect">
             <a:avLst/>
           </a:prstGeom>
+          <a:noFill/>
         </p:spPr>
         <p:txBody>
           <a:bodyPr wrap="square">
@@ -7237,32 +7666,17 @@
           </a:bodyPr>
           <a:lstStyle/>
           <a:p>
-            <a:pPr>
-              <a:lnSpc>
-                <a:spcPct val="115000"/>
-              </a:lnSpc>
-              <a:spcAft>
-                <a:spcPts val="0"/>
-              </a:spcAft>
-            </a:pPr>
-            <a:r>
-              <a:rPr lang="en-NZ" i="1" dirty="0">
-                <a:latin typeface="Arial" panose="020B0604020202020204" pitchFamily="34" charset="0"/>
-                <a:ea typeface="Arial" panose="020B0604020202020204" pitchFamily="34" charset="0"/>
-              </a:rPr>
-              <a:t>Show testing for your assembled outcome below.  This should include a test plan followed by screenshot proof.  </a:t>
-            </a:r>
-            <a:endParaRPr lang="en-NZ" dirty="0">
-              <a:latin typeface="Arial" panose="020B0604020202020204" pitchFamily="34" charset="0"/>
-              <a:ea typeface="Arial" panose="020B0604020202020204" pitchFamily="34" charset="0"/>
-            </a:endParaRPr>
+            <a:r>
+              <a:rPr lang="en-NZ" i="1" dirty="0"/>
+              <a:t>You must show the results of testing. For each component, include a screenshot proving it works.  You can also include notes about each test. </a:t>
+            </a:r>
           </a:p>
         </p:txBody>
       </p:sp>
     </p:spTree>
     <p:extLst>
       <p:ext uri="{BB962C8B-B14F-4D97-AF65-F5344CB8AC3E}">
-        <p14:creationId xmlns:p14="http://schemas.microsoft.com/office/powerpoint/2010/main" val="1084233196"/>
+        <p14:creationId xmlns:p14="http://schemas.microsoft.com/office/powerpoint/2010/main" val="89592267"/>
       </p:ext>
     </p:extLst>
   </p:cSld>
